--- a/PUBLIC TRANSPORT OPTIMIZATION PHASE 4.pptx
+++ b/PUBLIC TRANSPORT OPTIMIZATION PHASE 4.pptx
@@ -11,7 +11,8 @@
     <p:sldId id="259" r:id="rId6"/>
     <p:sldId id="260" r:id="rId7"/>
     <p:sldId id="262" r:id="rId8"/>
-    <p:sldId id="263" r:id="rId9"/>
+    <p:sldId id="268" r:id="rId9"/>
+    <p:sldId id="263" r:id="rId10"/>
   </p:sldIdLst>
   <p:sldSz cx="12192000" cy="6858000"/>
   <p:notesSz cx="6858000" cy="9144000"/>
@@ -642,6 +643,173 @@
 </p:sldLayout>
 </file>
 
+<file path=ppt/slideLayouts/slideLayout12.xml><?xml version="1.0" encoding="utf-8"?>
+<p:sldLayout xmlns:a="http://schemas.openxmlformats.org/drawingml/2006/main" xmlns:r="http://schemas.openxmlformats.org/officeDocument/2006/relationships" xmlns:p="http://schemas.openxmlformats.org/presentationml/2006/main" type="tx" preserve="1">
+  <p:cSld name="Title and Text">
+    <p:spTree>
+      <p:nvGrpSpPr>
+        <p:cNvPr id="1" name=""/>
+        <p:cNvGrpSpPr/>
+        <p:nvPr/>
+      </p:nvGrpSpPr>
+      <p:grpSpPr>
+        <a:xfrm>
+          <a:off x="0" y="0"/>
+          <a:ext cx="0" cy="0"/>
+          <a:chOff x="0" y="0"/>
+          <a:chExt cx="0" cy="0"/>
+        </a:xfrm>
+      </p:grpSpPr>
+      <p:sp>
+        <p:nvSpPr>
+          <p:cNvPr id="2" name="Title 1"/>
+          <p:cNvSpPr>
+            <a:spLocks noGrp="1"/>
+          </p:cNvSpPr>
+          <p:nvPr>
+            <p:ph type="title"/>
+          </p:nvPr>
+        </p:nvSpPr>
+        <p:spPr/>
+        <p:txBody>
+          <a:bodyPr/>
+          <a:lstStyle/>
+          <a:p>
+            <a:r>
+              <a:rPr lang="en-US" smtClean="0"/>
+              <a:t>Click to edit Master title style</a:t>
+            </a:r>
+            <a:endParaRPr lang="en-US"/>
+          </a:p>
+        </p:txBody>
+      </p:sp>
+      <p:sp>
+        <p:nvSpPr>
+          <p:cNvPr id="3" name="Text Placeholder 2"/>
+          <p:cNvSpPr>
+            <a:spLocks noGrp="1"/>
+          </p:cNvSpPr>
+          <p:nvPr>
+            <p:ph type="body" idx="1"/>
+          </p:nvPr>
+        </p:nvSpPr>
+        <p:spPr/>
+        <p:txBody>
+          <a:bodyPr/>
+          <a:lstStyle/>
+          <a:p>
+            <a:pPr lvl="0"/>
+            <a:r>
+              <a:rPr lang="en-US" smtClean="0"/>
+              <a:t>Click to edit Master text styles</a:t>
+            </a:r>
+            <a:endParaRPr lang="en-US" smtClean="0"/>
+          </a:p>
+          <a:p>
+            <a:pPr lvl="1"/>
+            <a:r>
+              <a:rPr lang="en-US" smtClean="0"/>
+              <a:t>Second level</a:t>
+            </a:r>
+            <a:endParaRPr lang="en-US" smtClean="0"/>
+          </a:p>
+          <a:p>
+            <a:pPr lvl="2"/>
+            <a:r>
+              <a:rPr lang="en-US" smtClean="0"/>
+              <a:t>Third level</a:t>
+            </a:r>
+            <a:endParaRPr lang="en-US" smtClean="0"/>
+          </a:p>
+          <a:p>
+            <a:pPr lvl="3"/>
+            <a:r>
+              <a:rPr lang="en-US" smtClean="0"/>
+              <a:t>Fourth level</a:t>
+            </a:r>
+            <a:endParaRPr lang="en-US" smtClean="0"/>
+          </a:p>
+          <a:p>
+            <a:pPr lvl="4"/>
+            <a:r>
+              <a:rPr lang="en-US" smtClean="0"/>
+              <a:t>Fifth level</a:t>
+            </a:r>
+            <a:endParaRPr lang="en-US"/>
+          </a:p>
+        </p:txBody>
+      </p:sp>
+      <p:sp>
+        <p:nvSpPr>
+          <p:cNvPr id="4" name="Date Placeholder 3"/>
+          <p:cNvSpPr>
+            <a:spLocks noGrp="1"/>
+          </p:cNvSpPr>
+          <p:nvPr>
+            <p:ph type="dt" sz="half" idx="10"/>
+          </p:nvPr>
+        </p:nvSpPr>
+        <p:spPr/>
+        <p:txBody>
+          <a:bodyPr/>
+          <a:lstStyle/>
+          <a:p>
+            <a:fld id="{81DFDCDF-A57D-4D4C-81CC-164BA7BF3F1A}" type="datetimeFigureOut">
+              <a:rPr lang="en-IN" smtClean="0"/>
+            </a:fld>
+            <a:endParaRPr lang="en-IN"/>
+          </a:p>
+        </p:txBody>
+      </p:sp>
+      <p:sp>
+        <p:nvSpPr>
+          <p:cNvPr id="5" name="Footer Placeholder 4"/>
+          <p:cNvSpPr>
+            <a:spLocks noGrp="1"/>
+          </p:cNvSpPr>
+          <p:nvPr>
+            <p:ph type="ftr" sz="quarter" idx="11"/>
+          </p:nvPr>
+        </p:nvSpPr>
+        <p:spPr/>
+        <p:txBody>
+          <a:bodyPr/>
+          <a:lstStyle/>
+          <a:p>
+            <a:endParaRPr lang="en-IN"/>
+          </a:p>
+        </p:txBody>
+      </p:sp>
+      <p:sp>
+        <p:nvSpPr>
+          <p:cNvPr id="6" name="Slide Number Placeholder 5"/>
+          <p:cNvSpPr>
+            <a:spLocks noGrp="1"/>
+          </p:cNvSpPr>
+          <p:nvPr>
+            <p:ph type="sldNum" sz="quarter" idx="12"/>
+          </p:nvPr>
+        </p:nvSpPr>
+        <p:spPr/>
+        <p:txBody>
+          <a:bodyPr/>
+          <a:lstStyle/>
+          <a:p>
+            <a:fld id="{B47A18DA-51D5-4A95-A4A5-8505EA9C52F7}" type="slidenum">
+              <a:rPr lang="en-IN" smtClean="0"/>
+            </a:fld>
+            <a:endParaRPr lang="en-IN"/>
+          </a:p>
+        </p:txBody>
+      </p:sp>
+    </p:spTree>
+  </p:cSld>
+  <p:clrMapOvr>
+    <a:masterClrMapping/>
+  </p:clrMapOvr>
+</p:sldLayout>
+</file>
+
 <file path=ppt/slideLayouts/slideLayout2.xml><?xml version="1.0" encoding="utf-8"?>
 <p:sldLayout xmlns:a="http://schemas.openxmlformats.org/drawingml/2006/main" xmlns:r="http://schemas.openxmlformats.org/officeDocument/2006/relationships" xmlns:p="http://schemas.openxmlformats.org/presentationml/2006/main" type="obj" preserve="1">
   <p:cSld name="Title and Content">
@@ -2626,6 +2794,7 @@
     <p:sldLayoutId id="2147483657" r:id="rId9"/>
     <p:sldLayoutId id="2147483658" r:id="rId10"/>
     <p:sldLayoutId id="2147483659" r:id="rId11"/>
+    <p:sldLayoutId id="2147483660" r:id="rId12"/>
   </p:sldLayoutIdLst>
   <p:txStyles>
     <p:titleStyle>
@@ -3617,6 +3786,148 @@
         <p:cNvGrpSpPr/>
         <p:nvPr/>
       </p:nvGrpSpPr>
+      <p:grpSpPr/>
+      <p:sp>
+        <p:nvSpPr>
+          <p:cNvPr id="4" name="Title 3"/>
+          <p:cNvSpPr>
+            <a:spLocks noGrp="1"/>
+          </p:cNvSpPr>
+          <p:nvPr>
+            <p:ph type="title"/>
+          </p:nvPr>
+        </p:nvSpPr>
+        <p:spPr>
+          <a:xfrm>
+            <a:off x="480695" y="160655"/>
+            <a:ext cx="10515600" cy="1325563"/>
+          </a:xfrm>
+        </p:spPr>
+        <p:txBody>
+          <a:bodyPr>
+            <a:normAutofit fontScale="90000"/>
+          </a:bodyPr>
+          <a:p>
+            <a:br>
+              <a:rPr lang="en-US" b="1">
+                <a:latin typeface="Cambria" panose="02040503050406030204" charset="0"/>
+                <a:cs typeface="Cambria" panose="02040503050406030204" charset="0"/>
+              </a:rPr>
+            </a:br>
+            <a:br>
+              <a:rPr lang="en-US" b="1">
+                <a:latin typeface="Cambria" panose="02040503050406030204" charset="0"/>
+                <a:cs typeface="Cambria" panose="02040503050406030204" charset="0"/>
+              </a:rPr>
+            </a:br>
+            <a:br>
+              <a:rPr lang="en-US" b="1">
+                <a:latin typeface="Cambria" panose="02040503050406030204" charset="0"/>
+                <a:cs typeface="Cambria" panose="02040503050406030204" charset="0"/>
+              </a:rPr>
+            </a:br>
+            <a:r>
+              <a:rPr lang="en-US" sz="3555" b="1">
+                <a:latin typeface="Cambria" panose="02040503050406030204" charset="0"/>
+                <a:cs typeface="Cambria" panose="02040503050406030204" charset="0"/>
+              </a:rPr>
+              <a:t>WEBSITE LINK:</a:t>
+            </a:r>
+            <a:r>
+              <a:rPr lang="en-US" sz="4000" b="1">
+                <a:latin typeface="Cambria" panose="02040503050406030204" charset="0"/>
+                <a:cs typeface="Cambria" panose="02040503050406030204" charset="0"/>
+              </a:rPr>
+              <a:t> </a:t>
+            </a:r>
+            <a:br>
+              <a:rPr lang="en-US" sz="4000" b="1">
+                <a:latin typeface="Cambria" panose="02040503050406030204" charset="0"/>
+                <a:cs typeface="Cambria" panose="02040503050406030204" charset="0"/>
+              </a:rPr>
+            </a:br>
+            <a:br>
+              <a:rPr lang="en-US" sz="4000" b="1">
+                <a:latin typeface="Cambria" panose="02040503050406030204" charset="0"/>
+                <a:cs typeface="Cambria" panose="02040503050406030204" charset="0"/>
+              </a:rPr>
+            </a:br>
+            <a:r>
+              <a:rPr lang="en-US" sz="4000" b="1">
+                <a:latin typeface="Cambria" panose="02040503050406030204" charset="0"/>
+                <a:cs typeface="Cambria" panose="02040503050406030204" charset="0"/>
+              </a:rPr>
+              <a:t>            </a:t>
+            </a:r>
+            <a:r>
+              <a:rPr lang="en-US" sz="3110">
+                <a:latin typeface="Century" panose="02040604050505020304" charset="0"/>
+                <a:cs typeface="Century" panose="02040604050505020304" charset="0"/>
+              </a:rPr>
+              <a:t>https://sites.google.com/view/project-to-understand/innovations</a:t>
+            </a:r>
+            <a:br>
+              <a:rPr lang="en-US" sz="3110">
+                <a:latin typeface="Cambria" panose="02040503050406030204" charset="0"/>
+                <a:cs typeface="Cambria" panose="02040503050406030204" charset="0"/>
+              </a:rPr>
+            </a:br>
+            <a:br>
+              <a:rPr lang="en-US" sz="4000">
+                <a:latin typeface="Cambria" panose="02040503050406030204" charset="0"/>
+                <a:cs typeface="Cambria" panose="02040503050406030204" charset="0"/>
+              </a:rPr>
+            </a:br>
+            <a:endParaRPr lang="en-US" sz="4000">
+              <a:latin typeface="Cambria" panose="02040503050406030204" charset="0"/>
+              <a:cs typeface="Cambria" panose="02040503050406030204" charset="0"/>
+            </a:endParaRPr>
+          </a:p>
+        </p:txBody>
+      </p:sp>
+      <p:pic>
+        <p:nvPicPr>
+          <p:cNvPr id="5" name="Content Placeholder 4" descr="WhatsApp Image 2023-11-01 at 12.06.45 AM"/>
+          <p:cNvPicPr>
+            <a:picLocks noChangeAspect="1"/>
+          </p:cNvPicPr>
+          <p:nvPr>
+            <p:ph idx="1"/>
+          </p:nvPr>
+        </p:nvPicPr>
+        <p:blipFill>
+          <a:blip r:embed="rId1"/>
+          <a:stretch>
+            <a:fillRect/>
+          </a:stretch>
+        </p:blipFill>
+        <p:spPr>
+          <a:xfrm>
+            <a:off x="2222500" y="2285365"/>
+            <a:ext cx="7746365" cy="4351655"/>
+          </a:xfrm>
+          <a:prstGeom prst="rect">
+            <a:avLst/>
+          </a:prstGeom>
+        </p:spPr>
+      </p:pic>
+    </p:spTree>
+  </p:cSld>
+  <p:clrMapOvr>
+    <a:masterClrMapping/>
+  </p:clrMapOvr>
+</p:sld>
+</file>
+
+<file path=ppt/slides/slide8.xml><?xml version="1.0" encoding="utf-8"?>
+<p:sld xmlns:a="http://schemas.openxmlformats.org/drawingml/2006/main" xmlns:r="http://schemas.openxmlformats.org/officeDocument/2006/relationships" xmlns:p="http://schemas.openxmlformats.org/presentationml/2006/main">
+  <p:cSld>
+    <p:spTree>
+      <p:nvGrpSpPr>
+        <p:cNvPr id="1" name=""/>
+        <p:cNvGrpSpPr/>
+        <p:nvPr/>
+      </p:nvGrpSpPr>
       <p:grpSpPr>
         <a:xfrm>
           <a:off x="0" y="0"/>
